--- a/Doc/Remote Client Management.pptx
+++ b/Doc/Remote Client Management.pptx
@@ -538,7 +538,7 @@
           <a:p>
             <a:fld id="{03B55A7B-C80D-41BB-A882-BD4C3EE84BAE}" type="datetimeFigureOut">
               <a:rPr lang="he-IL" smtClean="0"/>
-              <a:t>י'/שבט/תשע"ב</a:t>
+              <a:t>י"א/שבט/תשע"ב</a:t>
             </a:fld>
             <a:endParaRPr lang="he-IL"/>
           </a:p>
@@ -750,7 +750,7 @@
           <a:p>
             <a:fld id="{03B55A7B-C80D-41BB-A882-BD4C3EE84BAE}" type="datetimeFigureOut">
               <a:rPr lang="he-IL" smtClean="0"/>
-              <a:t>י'/שבט/תשע"ב</a:t>
+              <a:t>י"א/שבט/תשע"ב</a:t>
             </a:fld>
             <a:endParaRPr lang="he-IL"/>
           </a:p>
@@ -937,7 +937,7 @@
           <a:p>
             <a:fld id="{03B55A7B-C80D-41BB-A882-BD4C3EE84BAE}" type="datetimeFigureOut">
               <a:rPr lang="he-IL" smtClean="0"/>
-              <a:t>י'/שבט/תשע"ב</a:t>
+              <a:t>י"א/שבט/תשע"ב</a:t>
             </a:fld>
             <a:endParaRPr lang="he-IL"/>
           </a:p>
@@ -1034,7 +1034,7 @@
           <a:p>
             <a:fld id="{03B55A7B-C80D-41BB-A882-BD4C3EE84BAE}" type="datetimeFigureOut">
               <a:rPr lang="he-IL" smtClean="0"/>
-              <a:t>י'/שבט/תשע"ב</a:t>
+              <a:t>י"א/שבט/תשע"ב</a:t>
             </a:fld>
             <a:endParaRPr lang="he-IL"/>
           </a:p>
@@ -1630,7 +1630,7 @@
           <a:p>
             <a:fld id="{03B55A7B-C80D-41BB-A882-BD4C3EE84BAE}" type="datetimeFigureOut">
               <a:rPr lang="he-IL" smtClean="0"/>
-              <a:t>י'/שבט/תשע"ב</a:t>
+              <a:t>י"א/שבט/תשע"ב</a:t>
             </a:fld>
             <a:endParaRPr lang="he-IL"/>
           </a:p>
@@ -1727,7 +1727,7 @@
           <a:p>
             <a:fld id="{03B55A7B-C80D-41BB-A882-BD4C3EE84BAE}" type="datetimeFigureOut">
               <a:rPr lang="he-IL" smtClean="0"/>
-              <a:t>י'/שבט/תשע"ב</a:t>
+              <a:t>י"א/שבט/תשע"ב</a:t>
             </a:fld>
             <a:endParaRPr lang="he-IL"/>
           </a:p>
@@ -2332,7 +2332,7 @@
           <a:p>
             <a:fld id="{03B55A7B-C80D-41BB-A882-BD4C3EE84BAE}" type="datetimeFigureOut">
               <a:rPr lang="he-IL" smtClean="0"/>
-              <a:t>י'/שבט/תשע"ב</a:t>
+              <a:t>י"א/שבט/תשע"ב</a:t>
             </a:fld>
             <a:endParaRPr lang="he-IL"/>
           </a:p>
@@ -2475,7 +2475,7 @@
           <a:p>
             <a:fld id="{03B55A7B-C80D-41BB-A882-BD4C3EE84BAE}" type="datetimeFigureOut">
               <a:rPr lang="he-IL" smtClean="0"/>
-              <a:t>י'/שבט/תשע"ב</a:t>
+              <a:t>י"א/שבט/תשע"ב</a:t>
             </a:fld>
             <a:endParaRPr lang="he-IL"/>
           </a:p>
@@ -2572,7 +2572,7 @@
           <a:p>
             <a:fld id="{03B55A7B-C80D-41BB-A882-BD4C3EE84BAE}" type="datetimeFigureOut">
               <a:rPr lang="he-IL" smtClean="0"/>
-              <a:t>י'/שבט/תשע"ב</a:t>
+              <a:t>י"א/שבט/תשע"ב</a:t>
             </a:fld>
             <a:endParaRPr lang="he-IL"/>
           </a:p>
@@ -2856,7 +2856,7 @@
           <a:p>
             <a:fld id="{03B55A7B-C80D-41BB-A882-BD4C3EE84BAE}" type="datetimeFigureOut">
               <a:rPr lang="he-IL" smtClean="0"/>
-              <a:t>י'/שבט/תשע"ב</a:t>
+              <a:t>י"א/שבט/תשע"ב</a:t>
             </a:fld>
             <a:endParaRPr lang="he-IL"/>
           </a:p>
@@ -3378,7 +3378,7 @@
           <a:p>
             <a:fld id="{03B55A7B-C80D-41BB-A882-BD4C3EE84BAE}" type="datetimeFigureOut">
               <a:rPr lang="he-IL" smtClean="0"/>
-              <a:t>י'/שבט/תשע"ב</a:t>
+              <a:t>י"א/שבט/תשע"ב</a:t>
             </a:fld>
             <a:endParaRPr lang="he-IL"/>
           </a:p>
@@ -3898,7 +3898,7 @@
           <a:p>
             <a:fld id="{03B55A7B-C80D-41BB-A882-BD4C3EE84BAE}" type="datetimeFigureOut">
               <a:rPr lang="he-IL" smtClean="0"/>
-              <a:t>י'/שבט/תשע"ב</a:t>
+              <a:t>י"א/שבט/תשע"ב</a:t>
             </a:fld>
             <a:endParaRPr lang="he-IL"/>
           </a:p>
@@ -5040,7 +5040,7 @@
       </p:sp>
       <p:pic>
         <p:nvPicPr>
-          <p:cNvPr id="2050" name="Picture 2" descr="\\mikas\no$\OpenU\Sadna\Pictures\OpenRM-Architecture.jpg"/>
+          <p:cNvPr id="2050" name="Picture 2"/>
           <p:cNvPicPr>
             <a:picLocks noChangeAspect="1" noChangeArrowheads="1"/>
           </p:cNvPicPr>
@@ -5054,13 +5054,13 @@
               </a:ext>
             </a:extLst>
           </a:blip>
-          <a:srcRect t="6810" b="-6810"/>
+          <a:srcRect t="5814" b="-5814"/>
           <a:stretch/>
         </p:blipFill>
         <p:spPr bwMode="auto">
           <a:xfrm>
-            <a:off x="926156" y="838150"/>
-            <a:ext cx="7534276" cy="6191250"/>
+            <a:off x="926156" y="720000"/>
+            <a:ext cx="7534275" cy="6191250"/>
           </a:xfrm>
           <a:prstGeom prst="rect">
             <a:avLst/>

--- a/Doc/Remote Client Management.pptx
+++ b/Doc/Remote Client Management.pptx
@@ -4489,7 +4489,7 @@
           <a:p>
             <a:pPr algn="r"/>
             <a:r>
-              <a:rPr lang="he-IL" dirty="0" smtClean="0"/>
+              <a:rPr lang="he-IL" sz="2000" dirty="0" smtClean="0"/>
               <a:t>מאת:</a:t>
             </a:r>
           </a:p>
@@ -4579,6 +4579,36 @@
           </a:extLst>
         </p:spPr>
       </p:pic>
+      <p:sp>
+        <p:nvSpPr>
+          <p:cNvPr id="4" name="TextBox 3"/>
+          <p:cNvSpPr txBox="1"/>
+          <p:nvPr/>
+        </p:nvSpPr>
+        <p:spPr>
+          <a:xfrm>
+            <a:off x="1" y="6493309"/>
+            <a:ext cx="1259632" cy="276999"/>
+          </a:xfrm>
+          <a:prstGeom prst="rect">
+            <a:avLst/>
+          </a:prstGeom>
+          <a:noFill/>
+        </p:spPr>
+        <p:txBody>
+          <a:bodyPr wrap="square" rtlCol="1">
+            <a:spAutoFit/>
+          </a:bodyPr>
+          <a:lstStyle/>
+          <a:p>
+            <a:r>
+              <a:rPr lang="he-IL" sz="1200" dirty="0" smtClean="0"/>
+              <a:t>סמסטר 2011ג'</a:t>
+            </a:r>
+            <a:endParaRPr lang="he-IL" sz="1200" dirty="0"/>
+          </a:p>
+        </p:txBody>
+      </p:sp>
     </p:spTree>
     <p:extLst>
       <p:ext uri="{BB962C8B-B14F-4D97-AF65-F5344CB8AC3E}">
@@ -4726,7 +4756,11 @@
             </a:r>
             <a:r>
               <a:rPr lang="he-IL" dirty="0" smtClean="0"/>
-              <a:t> יוצרים </a:t>
+              <a:t> </a:t>
+            </a:r>
+            <a:r>
+              <a:rPr lang="he-IL" dirty="0" smtClean="0"/>
+              <a:t>יוצרים הרבה </a:t>
             </a:r>
             <a:r>
               <a:rPr lang="en-US" dirty="0" smtClean="0"/>
@@ -4785,6 +4819,18 @@
             <a:r>
               <a:rPr lang="en-US" dirty="0" err="1" smtClean="0"/>
               <a:t>TraceRoute</a:t>
+            </a:r>
+            <a:endParaRPr lang="he-IL" dirty="0" smtClean="0"/>
+          </a:p>
+          <a:p>
+            <a:pPr lvl="1"/>
+            <a:r>
+              <a:rPr lang="he-IL" dirty="0" smtClean="0"/>
+              <a:t>שליחת  </a:t>
+            </a:r>
+            <a:r>
+              <a:rPr lang="en-US" dirty="0" smtClean="0"/>
+              <a:t>Broadcast</a:t>
             </a:r>
             <a:endParaRPr lang="he-IL" dirty="0" smtClean="0"/>
           </a:p>

--- a/Doc/Remote Client Management.pptx
+++ b/Doc/Remote Client Management.pptx
@@ -538,7 +538,7 @@
           <a:p>
             <a:fld id="{03B55A7B-C80D-41BB-A882-BD4C3EE84BAE}" type="datetimeFigureOut">
               <a:rPr lang="he-IL" smtClean="0"/>
-              <a:t>י"א/שבט/תשע"ב</a:t>
+              <a:t>ט"ו/שבט/תשע"ב</a:t>
             </a:fld>
             <a:endParaRPr lang="he-IL"/>
           </a:p>
@@ -750,7 +750,7 @@
           <a:p>
             <a:fld id="{03B55A7B-C80D-41BB-A882-BD4C3EE84BAE}" type="datetimeFigureOut">
               <a:rPr lang="he-IL" smtClean="0"/>
-              <a:t>י"א/שבט/תשע"ב</a:t>
+              <a:t>ט"ו/שבט/תשע"ב</a:t>
             </a:fld>
             <a:endParaRPr lang="he-IL"/>
           </a:p>
@@ -937,7 +937,7 @@
           <a:p>
             <a:fld id="{03B55A7B-C80D-41BB-A882-BD4C3EE84BAE}" type="datetimeFigureOut">
               <a:rPr lang="he-IL" smtClean="0"/>
-              <a:t>י"א/שבט/תשע"ב</a:t>
+              <a:t>ט"ו/שבט/תשע"ב</a:t>
             </a:fld>
             <a:endParaRPr lang="he-IL"/>
           </a:p>
@@ -1034,7 +1034,7 @@
           <a:p>
             <a:fld id="{03B55A7B-C80D-41BB-A882-BD4C3EE84BAE}" type="datetimeFigureOut">
               <a:rPr lang="he-IL" smtClean="0"/>
-              <a:t>י"א/שבט/תשע"ב</a:t>
+              <a:t>ט"ו/שבט/תשע"ב</a:t>
             </a:fld>
             <a:endParaRPr lang="he-IL"/>
           </a:p>
@@ -1630,7 +1630,7 @@
           <a:p>
             <a:fld id="{03B55A7B-C80D-41BB-A882-BD4C3EE84BAE}" type="datetimeFigureOut">
               <a:rPr lang="he-IL" smtClean="0"/>
-              <a:t>י"א/שבט/תשע"ב</a:t>
+              <a:t>ט"ו/שבט/תשע"ב</a:t>
             </a:fld>
             <a:endParaRPr lang="he-IL"/>
           </a:p>
@@ -1727,7 +1727,7 @@
           <a:p>
             <a:fld id="{03B55A7B-C80D-41BB-A882-BD4C3EE84BAE}" type="datetimeFigureOut">
               <a:rPr lang="he-IL" smtClean="0"/>
-              <a:t>י"א/שבט/תשע"ב</a:t>
+              <a:t>ט"ו/שבט/תשע"ב</a:t>
             </a:fld>
             <a:endParaRPr lang="he-IL"/>
           </a:p>
@@ -2332,7 +2332,7 @@
           <a:p>
             <a:fld id="{03B55A7B-C80D-41BB-A882-BD4C3EE84BAE}" type="datetimeFigureOut">
               <a:rPr lang="he-IL" smtClean="0"/>
-              <a:t>י"א/שבט/תשע"ב</a:t>
+              <a:t>ט"ו/שבט/תשע"ב</a:t>
             </a:fld>
             <a:endParaRPr lang="he-IL"/>
           </a:p>
@@ -2475,7 +2475,7 @@
           <a:p>
             <a:fld id="{03B55A7B-C80D-41BB-A882-BD4C3EE84BAE}" type="datetimeFigureOut">
               <a:rPr lang="he-IL" smtClean="0"/>
-              <a:t>י"א/שבט/תשע"ב</a:t>
+              <a:t>ט"ו/שבט/תשע"ב</a:t>
             </a:fld>
             <a:endParaRPr lang="he-IL"/>
           </a:p>
@@ -2572,7 +2572,7 @@
           <a:p>
             <a:fld id="{03B55A7B-C80D-41BB-A882-BD4C3EE84BAE}" type="datetimeFigureOut">
               <a:rPr lang="he-IL" smtClean="0"/>
-              <a:t>י"א/שבט/תשע"ב</a:t>
+              <a:t>ט"ו/שבט/תשע"ב</a:t>
             </a:fld>
             <a:endParaRPr lang="he-IL"/>
           </a:p>
@@ -2856,7 +2856,7 @@
           <a:p>
             <a:fld id="{03B55A7B-C80D-41BB-A882-BD4C3EE84BAE}" type="datetimeFigureOut">
               <a:rPr lang="he-IL" smtClean="0"/>
-              <a:t>י"א/שבט/תשע"ב</a:t>
+              <a:t>ט"ו/שבט/תשע"ב</a:t>
             </a:fld>
             <a:endParaRPr lang="he-IL"/>
           </a:p>
@@ -3378,7 +3378,7 @@
           <a:p>
             <a:fld id="{03B55A7B-C80D-41BB-A882-BD4C3EE84BAE}" type="datetimeFigureOut">
               <a:rPr lang="he-IL" smtClean="0"/>
-              <a:t>י"א/שבט/תשע"ב</a:t>
+              <a:t>ט"ו/שבט/תשע"ב</a:t>
             </a:fld>
             <a:endParaRPr lang="he-IL"/>
           </a:p>
@@ -3898,7 +3898,7 @@
           <a:p>
             <a:fld id="{03B55A7B-C80D-41BB-A882-BD4C3EE84BAE}" type="datetimeFigureOut">
               <a:rPr lang="he-IL" smtClean="0"/>
-              <a:t>י"א/שבט/תשע"ב</a:t>
+              <a:t>ט"ו/שבט/תשע"ב</a:t>
             </a:fld>
             <a:endParaRPr lang="he-IL"/>
           </a:p>
@@ -4501,7 +4501,15 @@
             </a:r>
             <a:r>
               <a:rPr lang="he-IL" dirty="0" smtClean="0"/>
-              <a:t>  	מיכאל קשקט, אלכס ליפוב </a:t>
+              <a:t>  	מיכאל קשקט, </a:t>
+            </a:r>
+            <a:r>
+              <a:rPr lang="he-IL" dirty="0" smtClean="0"/>
+              <a:t>אלכס </a:t>
+            </a:r>
+            <a:r>
+              <a:rPr lang="he-IL" dirty="0" smtClean="0"/>
+              <a:t>ליפוב </a:t>
             </a:r>
             <a:endParaRPr lang="he-IL" dirty="0"/>
           </a:p>
@@ -4756,11 +4764,7 @@
             </a:r>
             <a:r>
               <a:rPr lang="he-IL" dirty="0" smtClean="0"/>
-              <a:t> </a:t>
-            </a:r>
-            <a:r>
-              <a:rPr lang="he-IL" dirty="0" smtClean="0"/>
-              <a:t>יוצרים הרבה </a:t>
+              <a:t> יוצרים הרבה </a:t>
             </a:r>
             <a:r>
               <a:rPr lang="en-US" dirty="0" smtClean="0"/>
@@ -5250,8 +5254,13 @@
           <a:p>
             <a:r>
               <a:rPr lang="he-IL" dirty="0" smtClean="0"/>
-              <a:t>שרת מכרזי</a:t>
-            </a:r>
+              <a:t>שרת </a:t>
+            </a:r>
+            <a:r>
+              <a:rPr lang="he-IL" dirty="0" smtClean="0"/>
+              <a:t>מרכזי</a:t>
+            </a:r>
+            <a:endParaRPr lang="he-IL" dirty="0" smtClean="0"/>
           </a:p>
           <a:p>
             <a:pPr lvl="1"/>
@@ -5325,7 +5334,15 @@
             </a:r>
             <a:r>
               <a:rPr lang="he-IL" dirty="0" smtClean="0"/>
-              <a:t> אחד בלדב לשרת</a:t>
+              <a:t> אחד </a:t>
+            </a:r>
+            <a:r>
+              <a:rPr lang="he-IL" dirty="0" smtClean="0"/>
+              <a:t>בלבד </a:t>
+            </a:r>
+            <a:r>
+              <a:rPr lang="he-IL" dirty="0" smtClean="0"/>
+              <a:t>לשרת</a:t>
             </a:r>
           </a:p>
           <a:p>
@@ -5573,7 +5590,15 @@
             </a:r>
             <a:r>
               <a:rPr lang="he-IL" dirty="0" smtClean="0"/>
-              <a:t> (תמיכה ביותר חיברים, עיבוד מהיר של חיבורים חדשים).</a:t>
+              <a:t> (תמיכה ביותר </a:t>
+            </a:r>
+            <a:r>
+              <a:rPr lang="he-IL" dirty="0" smtClean="0"/>
+              <a:t>חיבורים</a:t>
+            </a:r>
+            <a:r>
+              <a:rPr lang="he-IL" dirty="0" smtClean="0"/>
+              <a:t>, עיבוד מהיר של חיבורים חדשים).</a:t>
             </a:r>
           </a:p>
           <a:p>
@@ -6235,8 +6260,13 @@
             </a:r>
             <a:r>
               <a:rPr lang="he-IL" dirty="0" smtClean="0"/>
-              <a:t>: אחד לשליחה ואחד לקבלה (זה נותן לנו אי-תלות בפעותו האלה).</a:t>
-            </a:r>
+              <a:t>: אחד לשליחה ואחד לקבלה (זה נותן לנו אי-תלות </a:t>
+            </a:r>
+            <a:r>
+              <a:rPr lang="he-IL" dirty="0" smtClean="0"/>
+              <a:t>בפעולות האלו).</a:t>
+            </a:r>
+            <a:endParaRPr lang="he-IL" dirty="0" smtClean="0"/>
           </a:p>
           <a:p>
             <a:r>
@@ -6957,7 +6987,15 @@
             </a:r>
             <a:r>
               <a:rPr lang="he-IL" dirty="0" smtClean="0"/>
-              <a:t> עושים דסריאליזציה כדי לקבל אובייקט שאפשר לעבוד איתו.</a:t>
+              <a:t> עושים </a:t>
+            </a:r>
+            <a:r>
+              <a:rPr lang="he-IL" dirty="0" smtClean="0"/>
+              <a:t>דה-סריליזציה </a:t>
+            </a:r>
+            <a:r>
+              <a:rPr lang="he-IL" dirty="0" smtClean="0"/>
+              <a:t>כדי לקבל אובייקט שאפשר לעבוד איתו.</a:t>
             </a:r>
           </a:p>
           <a:p>
